--- a/Docs/ReFrameWorkGitHub.pptx
+++ b/Docs/ReFrameWorkGitHub.pptx
@@ -5604,13 +5604,47 @@
           <a:bodyPr/>
           <a:lstStyle/>
           <a:p>
-            <a:r>
-              <a:rPr lang="en-US">
+            <a:endParaRPr lang="en-US" dirty="0" smtClean="0">
+              <a:hlinkClick r:id="rId2"/>
+            </a:endParaRPr>
+          </a:p>
+          <a:p>
+            <a:endParaRPr lang="en-US" dirty="0">
+              <a:hlinkClick r:id="rId2"/>
+            </a:endParaRPr>
+          </a:p>
+          <a:p>
+            <a:r>
+              <a:rPr lang="en-US" dirty="0" smtClean="0">
                 <a:hlinkClick r:id="rId2"/>
               </a:rPr>
-              <a:t>https://rogerdudler.github.io/git-guide/</a:t>
-            </a:r>
-            <a:endParaRPr lang="en-US"/>
+              <a:t>https</a:t>
+            </a:r>
+            <a:r>
+              <a:rPr lang="en-US" dirty="0">
+                <a:hlinkClick r:id="rId2"/>
+              </a:rPr>
+              <a:t>://rogerdudler.github.io/git-guide</a:t>
+            </a:r>
+            <a:r>
+              <a:rPr lang="en-US" dirty="0" smtClean="0">
+                <a:hlinkClick r:id="rId2"/>
+              </a:rPr>
+              <a:t>/</a:t>
+            </a:r>
+            <a:endParaRPr lang="en-US" dirty="0" smtClean="0"/>
+          </a:p>
+          <a:p>
+            <a:endParaRPr lang="en-US" dirty="0"/>
+          </a:p>
+          <a:p>
+            <a:r>
+              <a:rPr lang="en-US">
+                <a:hlinkClick r:id="rId3"/>
+              </a:rPr>
+              <a:t>https://github.com/UiPath/ReFrameWork</a:t>
+            </a:r>
+            <a:endParaRPr lang="en-US" dirty="0"/>
           </a:p>
         </p:txBody>
       </p:sp>
